--- a/week9_ML_svm_poly_norm/day5_ml_concepts_trees_ensembles/ensembles/ML - Ensembling.pptx
+++ b/week9_ML_svm_poly_norm/day5_ml_concepts_trees_ensembles/ensembles/ML - Ensembling.pptx
@@ -40095,7 +40095,7 @@
                   <a:schemeClr val="bg1"/>
                 </a:solidFill>
               </a:rPr>
-              <a:t>El muestreo para los modelos del ensemble se realiza SIN mediante reemplazamiento</a:t>
+              <a:t>El muestreo para los modelos del ensemble se realiza SIN reemplazamiento</a:t>
             </a:r>
           </a:p>
         </p:txBody>
